--- a/src/morea/materials/04-UsingClasses.pptx
+++ b/src/morea/materials/04-UsingClasses.pptx
@@ -2360,7 +2360,7 @@
         <p:nvSpPr>
           <p:cNvPr id="45060" name="Rectangle 2"/>
           <p:cNvSpPr>
-            <a:spLocks noChangeArrowheads="1" noTextEdit="1"/>
+            <a:spLocks noGrp="1" noRot="1" noChangeAspect="1" noChangeArrowheads="1" noTextEdit="1"/>
           </p:cNvSpPr>
           <p:nvPr>
             <p:ph type="sldImg"/>
@@ -3469,7 +3469,7 @@
         <p:nvSpPr>
           <p:cNvPr id="47108" name="Rectangle 2"/>
           <p:cNvSpPr>
-            <a:spLocks noChangeArrowheads="1" noTextEdit="1"/>
+            <a:spLocks noGrp="1" noRot="1" noChangeAspect="1" noChangeArrowheads="1" noTextEdit="1"/>
           </p:cNvSpPr>
           <p:nvPr>
             <p:ph type="sldImg"/>
@@ -4001,7 +4001,7 @@
         <p:nvSpPr>
           <p:cNvPr id="49156" name="Rectangle 2"/>
           <p:cNvSpPr>
-            <a:spLocks noChangeArrowheads="1" noTextEdit="1"/>
+            <a:spLocks noGrp="1" noRot="1" noChangeAspect="1" noChangeArrowheads="1" noTextEdit="1"/>
           </p:cNvSpPr>
           <p:nvPr>
             <p:ph type="sldImg"/>
@@ -12080,7 +12080,7 @@
                 <a:avLst/>
               </a:prstGeom>
               <a:solidFill>
-                <a:srgbClr val="CCFFFF"/>
+                <a:srgbClr val="4F81BD"/>
               </a:solidFill>
               <a:ln w="12700">
                 <a:solidFill>
@@ -13531,7 +13531,7 @@
               <a:avLst/>
             </a:prstGeom>
             <a:solidFill>
-              <a:srgbClr val="CCFFFF"/>
+              <a:schemeClr val="accent1"/>
             </a:solidFill>
             <a:ln w="12700">
               <a:solidFill>
@@ -15374,7 +15374,7 @@
               <a:avLst/>
             </a:prstGeom>
             <a:solidFill>
-              <a:srgbClr val="CCFFFF"/>
+              <a:srgbClr val="4F81BD"/>
             </a:solidFill>
             <a:ln w="12700">
               <a:solidFill>
@@ -17568,8 +17568,19 @@
           <a:p>
             <a:r>
               <a:rPr lang="en-US" dirty="0" smtClean="0"/>
-              <a:t>Semantics (how flow of program bounces around between fields, constructors, methods)</a:t>
-            </a:r>
+              <a:t>Semantics (how flow of program bounces around between fields, constructors, methods</a:t>
+            </a:r>
+            <a:r>
+              <a:rPr lang="en-US" dirty="0" smtClean="0"/>
+              <a:t>)</a:t>
+            </a:r>
+          </a:p>
+          <a:p>
+            <a:r>
+              <a:rPr lang="en-US" dirty="0" smtClean="0"/>
+              <a:t>Process of writing a java program &amp; how I knew where things went</a:t>
+            </a:r>
+            <a:endParaRPr lang="en-US" dirty="0" smtClean="0"/>
           </a:p>
         </p:txBody>
       </p:sp>
@@ -17724,7 +17735,23 @@
                 <a:ea typeface="Arial" charset="0"/>
                 <a:cs typeface="Calibri"/>
               </a:rPr>
-              <a:t> method that returns the area of the circle</a:t>
+              <a:t> method that returns the </a:t>
+            </a:r>
+            <a:r>
+              <a:rPr lang="en-US" dirty="0" smtClean="0">
+                <a:latin typeface="Calibri"/>
+                <a:ea typeface="Arial" charset="0"/>
+                <a:cs typeface="Calibri"/>
+              </a:rPr>
+              <a:t>circumference of </a:t>
+            </a:r>
+            <a:r>
+              <a:rPr lang="en-US" dirty="0">
+                <a:latin typeface="Calibri"/>
+                <a:ea typeface="Arial" charset="0"/>
+                <a:cs typeface="Calibri"/>
+              </a:rPr>
+              <a:t>the circle</a:t>
             </a:r>
           </a:p>
           <a:p>
@@ -17931,11 +17958,11 @@
   <p:clrMapOvr>
     <a:masterClrMapping/>
   </p:clrMapOvr>
-  <mc:AlternateContent xmlns:mc="http://schemas.openxmlformats.org/markup-compatibility/2006">
-    <mc:Choice xmlns:p14="http://schemas.microsoft.com/office/powerpoint/2010/main" Requires="p14">
+  <mc:AlternateContent xmlns:mc="http://schemas.openxmlformats.org/markup-compatibility/2006" xmlns:p14="http://schemas.microsoft.com/office/powerpoint/2010/main">
+    <mc:Choice Requires="p14">
       <p:transition spd="slow" p14:dur="2000"/>
     </mc:Choice>
-    <mc:Fallback>
+    <mc:Fallback xmlns="">
       <p:transition xmlns:p14="http://schemas.microsoft.com/office/powerpoint/2010/main" spd="slow"/>
     </mc:Fallback>
   </mc:AlternateContent>
@@ -20999,11 +21026,11 @@
   <p:clrMapOvr>
     <a:masterClrMapping/>
   </p:clrMapOvr>
-  <mc:AlternateContent xmlns:mc="http://schemas.openxmlformats.org/markup-compatibility/2006">
-    <mc:Choice xmlns:p14="http://schemas.microsoft.com/office/powerpoint/2010/main" Requires="p14">
+  <mc:AlternateContent xmlns:mc="http://schemas.openxmlformats.org/markup-compatibility/2006" xmlns:p14="http://schemas.microsoft.com/office/powerpoint/2010/main">
+    <mc:Choice Requires="p14">
       <p:transition spd="slow" p14:dur="2000"/>
     </mc:Choice>
-    <mc:Fallback>
+    <mc:Fallback xmlns="">
       <p:transition xmlns:p14="http://schemas.microsoft.com/office/powerpoint/2010/main" spd="slow"/>
     </mc:Fallback>
   </mc:AlternateContent>
@@ -21729,11 +21756,11 @@
   <p:clrMapOvr>
     <a:masterClrMapping/>
   </p:clrMapOvr>
-  <mc:AlternateContent xmlns:mc="http://schemas.openxmlformats.org/markup-compatibility/2006">
-    <mc:Choice xmlns:p14="http://schemas.microsoft.com/office/powerpoint/2010/main" Requires="p14">
+  <mc:AlternateContent xmlns:mc="http://schemas.openxmlformats.org/markup-compatibility/2006" xmlns:p14="http://schemas.microsoft.com/office/powerpoint/2010/main">
+    <mc:Choice Requires="p14">
       <p:transition spd="slow" p14:dur="2000"/>
     </mc:Choice>
-    <mc:Fallback>
+    <mc:Fallback xmlns="">
       <p:transition xmlns:p14="http://schemas.microsoft.com/office/powerpoint/2010/main" spd="slow"/>
     </mc:Fallback>
   </mc:AlternateContent>
@@ -23709,11 +23736,11 @@
   <p:clrMapOvr>
     <a:masterClrMapping/>
   </p:clrMapOvr>
-  <mc:AlternateContent xmlns:mc="http://schemas.openxmlformats.org/markup-compatibility/2006">
-    <mc:Choice xmlns:p14="http://schemas.microsoft.com/office/powerpoint/2010/main" Requires="p14">
+  <mc:AlternateContent xmlns:mc="http://schemas.openxmlformats.org/markup-compatibility/2006" xmlns:p14="http://schemas.microsoft.com/office/powerpoint/2010/main">
+    <mc:Choice Requires="p14">
       <p:transition spd="slow" p14:dur="2000"/>
     </mc:Choice>
-    <mc:Fallback>
+    <mc:Fallback xmlns="">
       <p:transition xmlns:p14="http://schemas.microsoft.com/office/powerpoint/2010/main" spd="slow"/>
     </mc:Fallback>
   </mc:AlternateContent>

--- a/src/morea/materials/04-UsingClasses.pptx
+++ b/src/morea/materials/04-UsingClasses.pptx
@@ -5,7 +5,7 @@
     <p:sldMasterId id="2147483648" r:id="rId1"/>
   </p:sldMasterIdLst>
   <p:notesMasterIdLst>
-    <p:notesMasterId r:id="rId25"/>
+    <p:notesMasterId r:id="rId26"/>
   </p:notesMasterIdLst>
   <p:sldIdLst>
     <p:sldId id="256" r:id="rId2"/>
@@ -29,8 +29,9 @@
     <p:sldId id="267" r:id="rId20"/>
     <p:sldId id="259" r:id="rId21"/>
     <p:sldId id="260" r:id="rId22"/>
-    <p:sldId id="272" r:id="rId23"/>
-    <p:sldId id="273" r:id="rId24"/>
+    <p:sldId id="281" r:id="rId23"/>
+    <p:sldId id="272" r:id="rId24"/>
+    <p:sldId id="273" r:id="rId25"/>
   </p:sldIdLst>
   <p:sldSz cx="9144000" cy="6858000" type="screen4x3"/>
   <p:notesSz cx="6858000" cy="9144000"/>
@@ -214,7 +215,7 @@
           <a:p>
             <a:fld id="{BB6BAE91-212C-F34F-A74B-874A8C7A7F45}" type="datetimeFigureOut">
               <a:rPr lang="en-US" smtClean="0"/>
-              <a:t>2/6/15</a:t>
+              <a:t>2/8/15</a:t>
             </a:fld>
             <a:endParaRPr lang="en-US"/>
           </a:p>
@@ -1271,6 +1272,94 @@
       </p:grpSpPr>
       <p:sp>
         <p:nvSpPr>
+          <p:cNvPr id="2" name="Slide Image Placeholder 1"/>
+          <p:cNvSpPr>
+            <a:spLocks noGrp="1" noRot="1" noChangeAspect="1"/>
+          </p:cNvSpPr>
+          <p:nvPr>
+            <p:ph type="sldImg"/>
+          </p:nvPr>
+        </p:nvSpPr>
+        <p:spPr/>
+      </p:sp>
+      <p:sp>
+        <p:nvSpPr>
+          <p:cNvPr id="3" name="Notes Placeholder 2"/>
+          <p:cNvSpPr>
+            <a:spLocks noGrp="1"/>
+          </p:cNvSpPr>
+          <p:nvPr>
+            <p:ph type="body" idx="1"/>
+          </p:nvPr>
+        </p:nvSpPr>
+        <p:spPr/>
+        <p:txBody>
+          <a:bodyPr/>
+          <a:lstStyle/>
+          <a:p>
+            <a:r>
+              <a:rPr lang="en-US" dirty="0" smtClean="0"/>
+              <a:t>Start 2/9</a:t>
+            </a:r>
+            <a:endParaRPr lang="en-US" dirty="0"/>
+          </a:p>
+        </p:txBody>
+      </p:sp>
+      <p:sp>
+        <p:nvSpPr>
+          <p:cNvPr id="4" name="Slide Number Placeholder 3"/>
+          <p:cNvSpPr>
+            <a:spLocks noGrp="1"/>
+          </p:cNvSpPr>
+          <p:nvPr>
+            <p:ph type="sldNum" sz="quarter" idx="10"/>
+          </p:nvPr>
+        </p:nvSpPr>
+        <p:spPr/>
+        <p:txBody>
+          <a:bodyPr/>
+          <a:lstStyle/>
+          <a:p>
+            <a:fld id="{69646EDC-1F5F-A24A-8FE9-6BAE40A63EAE}" type="slidenum">
+              <a:rPr lang="en-US" smtClean="0"/>
+              <a:t>19</a:t>
+            </a:fld>
+            <a:endParaRPr lang="en-US"/>
+          </a:p>
+        </p:txBody>
+      </p:sp>
+    </p:spTree>
+    <p:extLst>
+      <p:ext uri="{BB962C8B-B14F-4D97-AF65-F5344CB8AC3E}">
+        <p14:creationId xmlns:p14="http://schemas.microsoft.com/office/powerpoint/2010/main" val="3593755720"/>
+      </p:ext>
+    </p:extLst>
+  </p:cSld>
+  <p:clrMapOvr>
+    <a:masterClrMapping/>
+  </p:clrMapOvr>
+</p:notes>
+</file>
+
+<file path=ppt/notesSlides/notesSlide15.xml><?xml version="1.0" encoding="utf-8"?>
+<p:notes xmlns:a="http://schemas.openxmlformats.org/drawingml/2006/main" xmlns:r="http://schemas.openxmlformats.org/officeDocument/2006/relationships" xmlns:p="http://schemas.openxmlformats.org/presentationml/2006/main">
+  <p:cSld>
+    <p:spTree>
+      <p:nvGrpSpPr>
+        <p:cNvPr id="1" name=""/>
+        <p:cNvGrpSpPr/>
+        <p:nvPr/>
+      </p:nvGrpSpPr>
+      <p:grpSpPr>
+        <a:xfrm>
+          <a:off x="0" y="0"/>
+          <a:ext cx="0" cy="0"/>
+          <a:chOff x="0" y="0"/>
+          <a:chExt cx="0" cy="0"/>
+        </a:xfrm>
+      </p:grpSpPr>
+      <p:sp>
+        <p:nvSpPr>
           <p:cNvPr id="54273" name="Slide Image Placeholder 1"/>
           <p:cNvSpPr>
             <a:spLocks noGrp="1" noRot="1" noChangeAspect="1"/>
@@ -1320,20 +1409,9 @@
           <a:bodyPr/>
           <a:lstStyle/>
           <a:p>
-            <a:r>
-              <a:rPr lang="en-US">
-                <a:latin typeface="Times" charset="0"/>
-              </a:rPr>
-              <a:t>Constructor + method practice</a:t>
-            </a:r>
-          </a:p>
-          <a:p>
-            <a:r>
-              <a:rPr lang="en-US">
-                <a:latin typeface="Times" charset="0"/>
-              </a:rPr>
-              <a:t>THEN talk about what they’re going to do next time… with making the applet interactive</a:t>
-            </a:r>
+            <a:endParaRPr lang="en-US" dirty="0">
+              <a:latin typeface="Times" charset="0"/>
+            </a:endParaRPr>
           </a:p>
         </p:txBody>
       </p:sp>
@@ -1800,7 +1878,639 @@
 </p:notes>
 </file>
 
-<file path=ppt/notesSlides/notesSlide15.xml><?xml version="1.0" encoding="utf-8"?>
+<file path=ppt/notesSlides/notesSlide16.xml><?xml version="1.0" encoding="utf-8"?>
+<p:notes xmlns:a="http://schemas.openxmlformats.org/drawingml/2006/main" xmlns:r="http://schemas.openxmlformats.org/officeDocument/2006/relationships" xmlns:p="http://schemas.openxmlformats.org/presentationml/2006/main">
+  <p:cSld>
+    <p:spTree>
+      <p:nvGrpSpPr>
+        <p:cNvPr id="1" name=""/>
+        <p:cNvGrpSpPr/>
+        <p:nvPr/>
+      </p:nvGrpSpPr>
+      <p:grpSpPr>
+        <a:xfrm>
+          <a:off x="0" y="0"/>
+          <a:ext cx="0" cy="0"/>
+          <a:chOff x="0" y="0"/>
+          <a:chExt cx="0" cy="0"/>
+        </a:xfrm>
+      </p:grpSpPr>
+      <p:sp>
+        <p:nvSpPr>
+          <p:cNvPr id="2" name="Slide Image Placeholder 1"/>
+          <p:cNvSpPr>
+            <a:spLocks noGrp="1" noRot="1" noChangeAspect="1"/>
+          </p:cNvSpPr>
+          <p:nvPr>
+            <p:ph type="sldImg"/>
+          </p:nvPr>
+        </p:nvSpPr>
+        <p:spPr/>
+      </p:sp>
+      <p:sp>
+        <p:nvSpPr>
+          <p:cNvPr id="3" name="Notes Placeholder 2"/>
+          <p:cNvSpPr>
+            <a:spLocks noGrp="1"/>
+          </p:cNvSpPr>
+          <p:nvPr>
+            <p:ph type="body" idx="1"/>
+          </p:nvPr>
+        </p:nvSpPr>
+        <p:spPr/>
+        <p:txBody>
+          <a:bodyPr/>
+          <a:lstStyle/>
+          <a:p>
+            <a:endParaRPr lang="en-US" dirty="0"/>
+          </a:p>
+        </p:txBody>
+      </p:sp>
+      <p:sp>
+        <p:nvSpPr>
+          <p:cNvPr id="4" name="Slide Number Placeholder 3"/>
+          <p:cNvSpPr>
+            <a:spLocks noGrp="1"/>
+          </p:cNvSpPr>
+          <p:nvPr>
+            <p:ph type="sldNum" sz="quarter" idx="10"/>
+          </p:nvPr>
+        </p:nvSpPr>
+        <p:spPr/>
+        <p:txBody>
+          <a:bodyPr/>
+          <a:lstStyle/>
+          <a:p>
+            <a:fld id="{69646EDC-1F5F-A24A-8FE9-6BAE40A63EAE}" type="slidenum">
+              <a:rPr lang="en-US" smtClean="0"/>
+              <a:t>21</a:t>
+            </a:fld>
+            <a:endParaRPr lang="en-US"/>
+          </a:p>
+        </p:txBody>
+      </p:sp>
+    </p:spTree>
+    <p:extLst>
+      <p:ext uri="{BB962C8B-B14F-4D97-AF65-F5344CB8AC3E}">
+        <p14:creationId xmlns:p14="http://schemas.microsoft.com/office/powerpoint/2010/main" val="1908988967"/>
+      </p:ext>
+    </p:extLst>
+  </p:cSld>
+  <p:clrMapOvr>
+    <a:masterClrMapping/>
+  </p:clrMapOvr>
+</p:notes>
+</file>
+
+<file path=ppt/notesSlides/notesSlide17.xml><?xml version="1.0" encoding="utf-8"?>
+<p:notes xmlns:a="http://schemas.openxmlformats.org/drawingml/2006/main" xmlns:r="http://schemas.openxmlformats.org/officeDocument/2006/relationships" xmlns:p="http://schemas.openxmlformats.org/presentationml/2006/main">
+  <p:cSld>
+    <p:spTree>
+      <p:nvGrpSpPr>
+        <p:cNvPr id="1" name=""/>
+        <p:cNvGrpSpPr/>
+        <p:nvPr/>
+      </p:nvGrpSpPr>
+      <p:grpSpPr>
+        <a:xfrm>
+          <a:off x="0" y="0"/>
+          <a:ext cx="0" cy="0"/>
+          <a:chOff x="0" y="0"/>
+          <a:chExt cx="0" cy="0"/>
+        </a:xfrm>
+      </p:grpSpPr>
+      <p:sp>
+        <p:nvSpPr>
+          <p:cNvPr id="40961" name="Slide Image Placeholder 1"/>
+          <p:cNvSpPr>
+            <a:spLocks noGrp="1" noRot="1" noChangeAspect="1"/>
+          </p:cNvSpPr>
+          <p:nvPr>
+            <p:ph type="sldImg"/>
+          </p:nvPr>
+        </p:nvSpPr>
+        <p:spPr>
+          <a:ln/>
+        </p:spPr>
+      </p:sp>
+      <p:sp>
+        <p:nvSpPr>
+          <p:cNvPr id="40962" name="Notes Placeholder 2"/>
+          <p:cNvSpPr>
+            <a:spLocks noGrp="1"/>
+          </p:cNvSpPr>
+          <p:nvPr>
+            <p:ph type="body" idx="1"/>
+          </p:nvPr>
+        </p:nvSpPr>
+        <p:spPr>
+          <a:noFill/>
+          <a:ln/>
+          <a:extLst>
+            <a:ext uri="{909E8E84-426E-40dd-AFC4-6F175D3DCCD1}">
+              <a14:hiddenFill xmlns:a14="http://schemas.microsoft.com/office/drawing/2010/main">
+                <a:solidFill>
+                  <a:srgbClr val="FFFFFF"/>
+                </a:solidFill>
+              </a14:hiddenFill>
+            </a:ext>
+            <a:ext uri="{91240B29-F687-4f45-9708-019B960494DF}">
+              <a14:hiddenLine xmlns:a14="http://schemas.microsoft.com/office/drawing/2010/main" w="9525">
+                <a:solidFill>
+                  <a:srgbClr val="000000"/>
+                </a:solidFill>
+                <a:miter lim="800000"/>
+                <a:headEnd/>
+                <a:tailEnd/>
+              </a14:hiddenLine>
+            </a:ext>
+          </a:extLst>
+        </p:spPr>
+        <p:txBody>
+          <a:bodyPr/>
+          <a:lstStyle/>
+          <a:p>
+            <a:r>
+              <a:rPr lang="en-US">
+                <a:latin typeface="Times" charset="0"/>
+              </a:rPr>
+              <a:t>Constructor + method practice</a:t>
+            </a:r>
+          </a:p>
+          <a:p>
+            <a:r>
+              <a:rPr lang="en-US">
+                <a:latin typeface="Times" charset="0"/>
+              </a:rPr>
+              <a:t>THEN talk about what they’re going to do next time… with making the applet interactive</a:t>
+            </a:r>
+          </a:p>
+        </p:txBody>
+      </p:sp>
+      <p:sp>
+        <p:nvSpPr>
+          <p:cNvPr id="40963" name="Header Placeholder 3"/>
+          <p:cNvSpPr>
+            <a:spLocks noGrp="1"/>
+          </p:cNvSpPr>
+          <p:nvPr>
+            <p:ph type="hdr" sz="quarter"/>
+          </p:nvPr>
+        </p:nvSpPr>
+        <p:spPr>
+          <a:noFill/>
+          <a:ln/>
+          <a:extLst>
+            <a:ext uri="{909E8E84-426E-40dd-AFC4-6F175D3DCCD1}">
+              <a14:hiddenFill xmlns:a14="http://schemas.microsoft.com/office/drawing/2010/main">
+                <a:solidFill>
+                  <a:srgbClr val="FFFFFF"/>
+                </a:solidFill>
+              </a14:hiddenFill>
+            </a:ext>
+            <a:ext uri="{91240B29-F687-4f45-9708-019B960494DF}">
+              <a14:hiddenLine xmlns:a14="http://schemas.microsoft.com/office/drawing/2010/main" w="9525">
+                <a:solidFill>
+                  <a:srgbClr val="000000"/>
+                </a:solidFill>
+                <a:miter lim="800000"/>
+                <a:headEnd/>
+                <a:tailEnd/>
+              </a14:hiddenLine>
+            </a:ext>
+          </a:extLst>
+        </p:spPr>
+        <p:txBody>
+          <a:bodyPr/>
+          <a:lstStyle>
+            <a:lvl1pPr>
+              <a:defRPr sz="2300" b="1">
+                <a:solidFill>
+                  <a:schemeClr val="tx1"/>
+                </a:solidFill>
+                <a:latin typeface="Times" charset="0"/>
+                <a:ea typeface="ＭＳ Ｐゴシック" charset="0"/>
+                <a:cs typeface="ＭＳ Ｐゴシック" charset="0"/>
+              </a:defRPr>
+            </a:lvl1pPr>
+            <a:lvl2pPr marL="702756" indent="-270291">
+              <a:defRPr sz="2300" b="1">
+                <a:solidFill>
+                  <a:schemeClr val="tx1"/>
+                </a:solidFill>
+                <a:latin typeface="Times" charset="0"/>
+                <a:ea typeface="ＭＳ Ｐゴシック" charset="0"/>
+              </a:defRPr>
+            </a:lvl2pPr>
+            <a:lvl3pPr marL="1081164" indent="-216233">
+              <a:defRPr sz="2300" b="1">
+                <a:solidFill>
+                  <a:schemeClr val="tx1"/>
+                </a:solidFill>
+                <a:latin typeface="Times" charset="0"/>
+                <a:ea typeface="ＭＳ Ｐゴシック" charset="0"/>
+              </a:defRPr>
+            </a:lvl3pPr>
+            <a:lvl4pPr marL="1513629" indent="-216233">
+              <a:defRPr sz="2300" b="1">
+                <a:solidFill>
+                  <a:schemeClr val="tx1"/>
+                </a:solidFill>
+                <a:latin typeface="Times" charset="0"/>
+                <a:ea typeface="ＭＳ Ｐゴシック" charset="0"/>
+              </a:defRPr>
+            </a:lvl4pPr>
+            <a:lvl5pPr marL="1946095" indent="-216233">
+              <a:defRPr sz="2300" b="1">
+                <a:solidFill>
+                  <a:schemeClr val="tx1"/>
+                </a:solidFill>
+                <a:latin typeface="Times" charset="0"/>
+                <a:ea typeface="ＭＳ Ｐゴシック" charset="0"/>
+              </a:defRPr>
+            </a:lvl5pPr>
+            <a:lvl6pPr marL="2378560" indent="-216233" eaLnBrk="0" fontAlgn="base" hangingPunct="0">
+              <a:spcBef>
+                <a:spcPct val="0"/>
+              </a:spcBef>
+              <a:spcAft>
+                <a:spcPct val="0"/>
+              </a:spcAft>
+              <a:defRPr sz="2300" b="1">
+                <a:solidFill>
+                  <a:schemeClr val="tx1"/>
+                </a:solidFill>
+                <a:latin typeface="Times" charset="0"/>
+                <a:ea typeface="ＭＳ Ｐゴシック" charset="0"/>
+              </a:defRPr>
+            </a:lvl6pPr>
+            <a:lvl7pPr marL="2811026" indent="-216233" eaLnBrk="0" fontAlgn="base" hangingPunct="0">
+              <a:spcBef>
+                <a:spcPct val="0"/>
+              </a:spcBef>
+              <a:spcAft>
+                <a:spcPct val="0"/>
+              </a:spcAft>
+              <a:defRPr sz="2300" b="1">
+                <a:solidFill>
+                  <a:schemeClr val="tx1"/>
+                </a:solidFill>
+                <a:latin typeface="Times" charset="0"/>
+                <a:ea typeface="ＭＳ Ｐゴシック" charset="0"/>
+              </a:defRPr>
+            </a:lvl7pPr>
+            <a:lvl8pPr marL="3243491" indent="-216233" eaLnBrk="0" fontAlgn="base" hangingPunct="0">
+              <a:spcBef>
+                <a:spcPct val="0"/>
+              </a:spcBef>
+              <a:spcAft>
+                <a:spcPct val="0"/>
+              </a:spcAft>
+              <a:defRPr sz="2300" b="1">
+                <a:solidFill>
+                  <a:schemeClr val="tx1"/>
+                </a:solidFill>
+                <a:latin typeface="Times" charset="0"/>
+                <a:ea typeface="ＭＳ Ｐゴシック" charset="0"/>
+              </a:defRPr>
+            </a:lvl8pPr>
+            <a:lvl9pPr marL="3675957" indent="-216233" eaLnBrk="0" fontAlgn="base" hangingPunct="0">
+              <a:spcBef>
+                <a:spcPct val="0"/>
+              </a:spcBef>
+              <a:spcAft>
+                <a:spcPct val="0"/>
+              </a:spcAft>
+              <a:defRPr sz="2300" b="1">
+                <a:solidFill>
+                  <a:schemeClr val="tx1"/>
+                </a:solidFill>
+                <a:latin typeface="Times" charset="0"/>
+                <a:ea typeface="ＭＳ Ｐゴシック" charset="0"/>
+              </a:defRPr>
+            </a:lvl9pPr>
+          </a:lstStyle>
+          <a:p>
+            <a:r>
+              <a:rPr lang="en-GB" sz="1200"/>
+              <a:t>Objects First with Java</a:t>
+            </a:r>
+          </a:p>
+        </p:txBody>
+      </p:sp>
+      <p:sp>
+        <p:nvSpPr>
+          <p:cNvPr id="40964" name="Footer Placeholder 4"/>
+          <p:cNvSpPr>
+            <a:spLocks noGrp="1"/>
+          </p:cNvSpPr>
+          <p:nvPr>
+            <p:ph type="ftr" sz="quarter" idx="4"/>
+          </p:nvPr>
+        </p:nvSpPr>
+        <p:spPr>
+          <a:noFill/>
+          <a:ln/>
+          <a:extLst>
+            <a:ext uri="{909E8E84-426E-40dd-AFC4-6F175D3DCCD1}">
+              <a14:hiddenFill xmlns:a14="http://schemas.microsoft.com/office/drawing/2010/main">
+                <a:solidFill>
+                  <a:srgbClr val="FFFFFF"/>
+                </a:solidFill>
+              </a14:hiddenFill>
+            </a:ext>
+            <a:ext uri="{91240B29-F687-4f45-9708-019B960494DF}">
+              <a14:hiddenLine xmlns:a14="http://schemas.microsoft.com/office/drawing/2010/main" w="9525">
+                <a:solidFill>
+                  <a:srgbClr val="000000"/>
+                </a:solidFill>
+                <a:miter lim="800000"/>
+                <a:headEnd/>
+                <a:tailEnd/>
+              </a14:hiddenLine>
+            </a:ext>
+          </a:extLst>
+        </p:spPr>
+        <p:txBody>
+          <a:bodyPr/>
+          <a:lstStyle>
+            <a:lvl1pPr>
+              <a:defRPr sz="2300" b="1">
+                <a:solidFill>
+                  <a:schemeClr val="tx1"/>
+                </a:solidFill>
+                <a:latin typeface="Times" charset="0"/>
+                <a:ea typeface="ＭＳ Ｐゴシック" charset="0"/>
+                <a:cs typeface="ＭＳ Ｐゴシック" charset="0"/>
+              </a:defRPr>
+            </a:lvl1pPr>
+            <a:lvl2pPr marL="702756" indent="-270291">
+              <a:defRPr sz="2300" b="1">
+                <a:solidFill>
+                  <a:schemeClr val="tx1"/>
+                </a:solidFill>
+                <a:latin typeface="Times" charset="0"/>
+                <a:ea typeface="ＭＳ Ｐゴシック" charset="0"/>
+              </a:defRPr>
+            </a:lvl2pPr>
+            <a:lvl3pPr marL="1081164" indent="-216233">
+              <a:defRPr sz="2300" b="1">
+                <a:solidFill>
+                  <a:schemeClr val="tx1"/>
+                </a:solidFill>
+                <a:latin typeface="Times" charset="0"/>
+                <a:ea typeface="ＭＳ Ｐゴシック" charset="0"/>
+              </a:defRPr>
+            </a:lvl3pPr>
+            <a:lvl4pPr marL="1513629" indent="-216233">
+              <a:defRPr sz="2300" b="1">
+                <a:solidFill>
+                  <a:schemeClr val="tx1"/>
+                </a:solidFill>
+                <a:latin typeface="Times" charset="0"/>
+                <a:ea typeface="ＭＳ Ｐゴシック" charset="0"/>
+              </a:defRPr>
+            </a:lvl4pPr>
+            <a:lvl5pPr marL="1946095" indent="-216233">
+              <a:defRPr sz="2300" b="1">
+                <a:solidFill>
+                  <a:schemeClr val="tx1"/>
+                </a:solidFill>
+                <a:latin typeface="Times" charset="0"/>
+                <a:ea typeface="ＭＳ Ｐゴシック" charset="0"/>
+              </a:defRPr>
+            </a:lvl5pPr>
+            <a:lvl6pPr marL="2378560" indent="-216233" eaLnBrk="0" fontAlgn="base" hangingPunct="0">
+              <a:spcBef>
+                <a:spcPct val="0"/>
+              </a:spcBef>
+              <a:spcAft>
+                <a:spcPct val="0"/>
+              </a:spcAft>
+              <a:defRPr sz="2300" b="1">
+                <a:solidFill>
+                  <a:schemeClr val="tx1"/>
+                </a:solidFill>
+                <a:latin typeface="Times" charset="0"/>
+                <a:ea typeface="ＭＳ Ｐゴシック" charset="0"/>
+              </a:defRPr>
+            </a:lvl6pPr>
+            <a:lvl7pPr marL="2811026" indent="-216233" eaLnBrk="0" fontAlgn="base" hangingPunct="0">
+              <a:spcBef>
+                <a:spcPct val="0"/>
+              </a:spcBef>
+              <a:spcAft>
+                <a:spcPct val="0"/>
+              </a:spcAft>
+              <a:defRPr sz="2300" b="1">
+                <a:solidFill>
+                  <a:schemeClr val="tx1"/>
+                </a:solidFill>
+                <a:latin typeface="Times" charset="0"/>
+                <a:ea typeface="ＭＳ Ｐゴシック" charset="0"/>
+              </a:defRPr>
+            </a:lvl7pPr>
+            <a:lvl8pPr marL="3243491" indent="-216233" eaLnBrk="0" fontAlgn="base" hangingPunct="0">
+              <a:spcBef>
+                <a:spcPct val="0"/>
+              </a:spcBef>
+              <a:spcAft>
+                <a:spcPct val="0"/>
+              </a:spcAft>
+              <a:defRPr sz="2300" b="1">
+                <a:solidFill>
+                  <a:schemeClr val="tx1"/>
+                </a:solidFill>
+                <a:latin typeface="Times" charset="0"/>
+                <a:ea typeface="ＭＳ Ｐゴシック" charset="0"/>
+              </a:defRPr>
+            </a:lvl8pPr>
+            <a:lvl9pPr marL="3675957" indent="-216233" eaLnBrk="0" fontAlgn="base" hangingPunct="0">
+              <a:spcBef>
+                <a:spcPct val="0"/>
+              </a:spcBef>
+              <a:spcAft>
+                <a:spcPct val="0"/>
+              </a:spcAft>
+              <a:defRPr sz="2300" b="1">
+                <a:solidFill>
+                  <a:schemeClr val="tx1"/>
+                </a:solidFill>
+                <a:latin typeface="Times" charset="0"/>
+                <a:ea typeface="ＭＳ Ｐゴシック" charset="0"/>
+              </a:defRPr>
+            </a:lvl9pPr>
+          </a:lstStyle>
+          <a:p>
+            <a:r>
+              <a:rPr lang="en-GB" sz="1200"/>
+              <a:t>© David J. Barnes and Michael Kölling</a:t>
+            </a:r>
+          </a:p>
+        </p:txBody>
+      </p:sp>
+      <p:sp>
+        <p:nvSpPr>
+          <p:cNvPr id="40965" name="Slide Number Placeholder 5"/>
+          <p:cNvSpPr>
+            <a:spLocks noGrp="1"/>
+          </p:cNvSpPr>
+          <p:nvPr>
+            <p:ph type="sldNum" sz="quarter" idx="5"/>
+          </p:nvPr>
+        </p:nvSpPr>
+        <p:spPr>
+          <a:noFill/>
+          <a:ln/>
+          <a:extLst>
+            <a:ext uri="{909E8E84-426E-40dd-AFC4-6F175D3DCCD1}">
+              <a14:hiddenFill xmlns:a14="http://schemas.microsoft.com/office/drawing/2010/main">
+                <a:solidFill>
+                  <a:srgbClr val="FFFFFF"/>
+                </a:solidFill>
+              </a14:hiddenFill>
+            </a:ext>
+            <a:ext uri="{91240B29-F687-4f45-9708-019B960494DF}">
+              <a14:hiddenLine xmlns:a14="http://schemas.microsoft.com/office/drawing/2010/main" w="9525">
+                <a:solidFill>
+                  <a:srgbClr val="000000"/>
+                </a:solidFill>
+                <a:miter lim="800000"/>
+                <a:headEnd/>
+                <a:tailEnd/>
+              </a14:hiddenLine>
+            </a:ext>
+          </a:extLst>
+        </p:spPr>
+        <p:txBody>
+          <a:bodyPr/>
+          <a:lstStyle>
+            <a:lvl1pPr>
+              <a:defRPr sz="2300" b="1">
+                <a:solidFill>
+                  <a:schemeClr val="tx1"/>
+                </a:solidFill>
+                <a:latin typeface="Times" charset="0"/>
+                <a:ea typeface="ＭＳ Ｐゴシック" charset="0"/>
+                <a:cs typeface="ＭＳ Ｐゴシック" charset="0"/>
+              </a:defRPr>
+            </a:lvl1pPr>
+            <a:lvl2pPr marL="702756" indent="-270291">
+              <a:defRPr sz="2300" b="1">
+                <a:solidFill>
+                  <a:schemeClr val="tx1"/>
+                </a:solidFill>
+                <a:latin typeface="Times" charset="0"/>
+                <a:ea typeface="ＭＳ Ｐゴシック" charset="0"/>
+              </a:defRPr>
+            </a:lvl2pPr>
+            <a:lvl3pPr marL="1081164" indent="-216233">
+              <a:defRPr sz="2300" b="1">
+                <a:solidFill>
+                  <a:schemeClr val="tx1"/>
+                </a:solidFill>
+                <a:latin typeface="Times" charset="0"/>
+                <a:ea typeface="ＭＳ Ｐゴシック" charset="0"/>
+              </a:defRPr>
+            </a:lvl3pPr>
+            <a:lvl4pPr marL="1513629" indent="-216233">
+              <a:defRPr sz="2300" b="1">
+                <a:solidFill>
+                  <a:schemeClr val="tx1"/>
+                </a:solidFill>
+                <a:latin typeface="Times" charset="0"/>
+                <a:ea typeface="ＭＳ Ｐゴシック" charset="0"/>
+              </a:defRPr>
+            </a:lvl4pPr>
+            <a:lvl5pPr marL="1946095" indent="-216233">
+              <a:defRPr sz="2300" b="1">
+                <a:solidFill>
+                  <a:schemeClr val="tx1"/>
+                </a:solidFill>
+                <a:latin typeface="Times" charset="0"/>
+                <a:ea typeface="ＭＳ Ｐゴシック" charset="0"/>
+              </a:defRPr>
+            </a:lvl5pPr>
+            <a:lvl6pPr marL="2378560" indent="-216233" eaLnBrk="0" fontAlgn="base" hangingPunct="0">
+              <a:spcBef>
+                <a:spcPct val="0"/>
+              </a:spcBef>
+              <a:spcAft>
+                <a:spcPct val="0"/>
+              </a:spcAft>
+              <a:defRPr sz="2300" b="1">
+                <a:solidFill>
+                  <a:schemeClr val="tx1"/>
+                </a:solidFill>
+                <a:latin typeface="Times" charset="0"/>
+                <a:ea typeface="ＭＳ Ｐゴシック" charset="0"/>
+              </a:defRPr>
+            </a:lvl6pPr>
+            <a:lvl7pPr marL="2811026" indent="-216233" eaLnBrk="0" fontAlgn="base" hangingPunct="0">
+              <a:spcBef>
+                <a:spcPct val="0"/>
+              </a:spcBef>
+              <a:spcAft>
+                <a:spcPct val="0"/>
+              </a:spcAft>
+              <a:defRPr sz="2300" b="1">
+                <a:solidFill>
+                  <a:schemeClr val="tx1"/>
+                </a:solidFill>
+                <a:latin typeface="Times" charset="0"/>
+                <a:ea typeface="ＭＳ Ｐゴシック" charset="0"/>
+              </a:defRPr>
+            </a:lvl7pPr>
+            <a:lvl8pPr marL="3243491" indent="-216233" eaLnBrk="0" fontAlgn="base" hangingPunct="0">
+              <a:spcBef>
+                <a:spcPct val="0"/>
+              </a:spcBef>
+              <a:spcAft>
+                <a:spcPct val="0"/>
+              </a:spcAft>
+              <a:defRPr sz="2300" b="1">
+                <a:solidFill>
+                  <a:schemeClr val="tx1"/>
+                </a:solidFill>
+                <a:latin typeface="Times" charset="0"/>
+                <a:ea typeface="ＭＳ Ｐゴシック" charset="0"/>
+              </a:defRPr>
+            </a:lvl8pPr>
+            <a:lvl9pPr marL="3675957" indent="-216233" eaLnBrk="0" fontAlgn="base" hangingPunct="0">
+              <a:spcBef>
+                <a:spcPct val="0"/>
+              </a:spcBef>
+              <a:spcAft>
+                <a:spcPct val="0"/>
+              </a:spcAft>
+              <a:defRPr sz="2300" b="1">
+                <a:solidFill>
+                  <a:schemeClr val="tx1"/>
+                </a:solidFill>
+                <a:latin typeface="Times" charset="0"/>
+                <a:ea typeface="ＭＳ Ｐゴシック" charset="0"/>
+              </a:defRPr>
+            </a:lvl9pPr>
+          </a:lstStyle>
+          <a:p>
+            <a:fld id="{FA49A3E5-9E86-5545-AC4F-5EF8258D370E}" type="slidenum">
+              <a:rPr lang="en-GB" sz="1200"/>
+              <a:pPr/>
+              <a:t>22</a:t>
+            </a:fld>
+            <a:endParaRPr lang="en-GB" sz="1200"/>
+          </a:p>
+        </p:txBody>
+      </p:sp>
+    </p:spTree>
+  </p:cSld>
+  <p:clrMapOvr>
+    <a:masterClrMapping/>
+  </p:clrMapOvr>
+</p:notes>
+</file>
+
+<file path=ppt/notesSlides/notesSlide18.xml><?xml version="1.0" encoding="utf-8"?>
 <p:notes xmlns:a="http://schemas.openxmlformats.org/drawingml/2006/main" xmlns:r="http://schemas.openxmlformats.org/officeDocument/2006/relationships" xmlns:p="http://schemas.openxmlformats.org/presentationml/2006/main">
   <p:cSld>
     <p:spTree>
@@ -1877,7 +2587,7 @@
               <a:pPr>
                 <a:defRPr/>
               </a:pPr>
-              <a:t>23</a:t>
+              <a:t>24</a:t>
             </a:fld>
             <a:endParaRPr lang="en-US"/>
           </a:p>
@@ -5077,7 +5787,7 @@
           <a:p>
             <a:fld id="{95D0A52A-683A-E348-B00D-319C34B8C99A}" type="datetimeFigureOut">
               <a:rPr lang="en-US" smtClean="0"/>
-              <a:t>2/6/15</a:t>
+              <a:t>2/8/15</a:t>
             </a:fld>
             <a:endParaRPr lang="en-US"/>
           </a:p>
@@ -5247,7 +5957,7 @@
           <a:p>
             <a:fld id="{95D0A52A-683A-E348-B00D-319C34B8C99A}" type="datetimeFigureOut">
               <a:rPr lang="en-US" smtClean="0"/>
-              <a:t>2/6/15</a:t>
+              <a:t>2/8/15</a:t>
             </a:fld>
             <a:endParaRPr lang="en-US"/>
           </a:p>
@@ -5427,7 +6137,7 @@
           <a:p>
             <a:fld id="{95D0A52A-683A-E348-B00D-319C34B8C99A}" type="datetimeFigureOut">
               <a:rPr lang="en-US" smtClean="0"/>
-              <a:t>2/6/15</a:t>
+              <a:t>2/8/15</a:t>
             </a:fld>
             <a:endParaRPr lang="en-US"/>
           </a:p>
@@ -5597,7 +6307,7 @@
           <a:p>
             <a:fld id="{95D0A52A-683A-E348-B00D-319C34B8C99A}" type="datetimeFigureOut">
               <a:rPr lang="en-US" smtClean="0"/>
-              <a:t>2/6/15</a:t>
+              <a:t>2/8/15</a:t>
             </a:fld>
             <a:endParaRPr lang="en-US"/>
           </a:p>
@@ -5843,7 +6553,7 @@
           <a:p>
             <a:fld id="{95D0A52A-683A-E348-B00D-319C34B8C99A}" type="datetimeFigureOut">
               <a:rPr lang="en-US" smtClean="0"/>
-              <a:t>2/6/15</a:t>
+              <a:t>2/8/15</a:t>
             </a:fld>
             <a:endParaRPr lang="en-US"/>
           </a:p>
@@ -6131,7 +6841,7 @@
           <a:p>
             <a:fld id="{95D0A52A-683A-E348-B00D-319C34B8C99A}" type="datetimeFigureOut">
               <a:rPr lang="en-US" smtClean="0"/>
-              <a:t>2/6/15</a:t>
+              <a:t>2/8/15</a:t>
             </a:fld>
             <a:endParaRPr lang="en-US"/>
           </a:p>
@@ -6553,7 +7263,7 @@
           <a:p>
             <a:fld id="{95D0A52A-683A-E348-B00D-319C34B8C99A}" type="datetimeFigureOut">
               <a:rPr lang="en-US" smtClean="0"/>
-              <a:t>2/6/15</a:t>
+              <a:t>2/8/15</a:t>
             </a:fld>
             <a:endParaRPr lang="en-US"/>
           </a:p>
@@ -6671,7 +7381,7 @@
           <a:p>
             <a:fld id="{95D0A52A-683A-E348-B00D-319C34B8C99A}" type="datetimeFigureOut">
               <a:rPr lang="en-US" smtClean="0"/>
-              <a:t>2/6/15</a:t>
+              <a:t>2/8/15</a:t>
             </a:fld>
             <a:endParaRPr lang="en-US"/>
           </a:p>
@@ -6766,7 +7476,7 @@
           <a:p>
             <a:fld id="{95D0A52A-683A-E348-B00D-319C34B8C99A}" type="datetimeFigureOut">
               <a:rPr lang="en-US" smtClean="0"/>
-              <a:t>2/6/15</a:t>
+              <a:t>2/8/15</a:t>
             </a:fld>
             <a:endParaRPr lang="en-US"/>
           </a:p>
@@ -7043,7 +7753,7 @@
           <a:p>
             <a:fld id="{95D0A52A-683A-E348-B00D-319C34B8C99A}" type="datetimeFigureOut">
               <a:rPr lang="en-US" smtClean="0"/>
-              <a:t>2/6/15</a:t>
+              <a:t>2/8/15</a:t>
             </a:fld>
             <a:endParaRPr lang="en-US"/>
           </a:p>
@@ -7296,7 +8006,7 @@
           <a:p>
             <a:fld id="{95D0A52A-683A-E348-B00D-319C34B8C99A}" type="datetimeFigureOut">
               <a:rPr lang="en-US" smtClean="0"/>
-              <a:t>2/6/15</a:t>
+              <a:t>2/8/15</a:t>
             </a:fld>
             <a:endParaRPr lang="en-US"/>
           </a:p>
@@ -7509,7 +8219,7 @@
           <a:p>
             <a:fld id="{95D0A52A-683A-E348-B00D-319C34B8C99A}" type="datetimeFigureOut">
               <a:rPr lang="en-US" smtClean="0"/>
-              <a:t>2/6/15</a:t>
+              <a:t>2/8/15</a:t>
             </a:fld>
             <a:endParaRPr lang="en-US"/>
           </a:p>
@@ -17568,11 +18278,7 @@
           <a:p>
             <a:r>
               <a:rPr lang="en-US" dirty="0" smtClean="0"/>
-              <a:t>Semantics (how flow of program bounces around between fields, constructors, methods</a:t>
-            </a:r>
-            <a:r>
-              <a:rPr lang="en-US" dirty="0" smtClean="0"/>
-              <a:t>)</a:t>
+              <a:t>Semantics (how flow of program bounces around between fields, constructors, methods)</a:t>
             </a:r>
           </a:p>
           <a:p>
@@ -17580,7 +18286,6 @@
               <a:rPr lang="en-US" dirty="0" smtClean="0"/>
               <a:t>Process of writing a java program &amp; how I knew where things went</a:t>
             </a:r>
-            <a:endParaRPr lang="en-US" dirty="0" smtClean="0"/>
           </a:p>
         </p:txBody>
       </p:sp>
@@ -17859,38 +18564,12 @@
           <a:lstStyle/>
           <a:p>
             <a:r>
-              <a:rPr lang="en-US">
-                <a:latin typeface="Arial" charset="0"/>
-                <a:cs typeface="Arial" charset="0"/>
+              <a:rPr lang="en-US" dirty="0">
+                <a:latin typeface="Calibri"/>
+                <a:cs typeface="Calibri"/>
               </a:rPr>
               <a:t>Example main</a:t>
             </a:r>
-          </a:p>
-        </p:txBody>
-      </p:sp>
-      <p:sp>
-        <p:nvSpPr>
-          <p:cNvPr id="4" name="Footer Placeholder 3"/>
-          <p:cNvSpPr>
-            <a:spLocks noGrp="1"/>
-          </p:cNvSpPr>
-          <p:nvPr>
-            <p:ph type="ftr" sz="quarter" idx="10"/>
-          </p:nvPr>
-        </p:nvSpPr>
-        <p:spPr/>
-        <p:txBody>
-          <a:bodyPr/>
-          <a:lstStyle/>
-          <a:p>
-            <a:pPr>
-              <a:defRPr/>
-            </a:pPr>
-            <a:r>
-              <a:rPr lang="en-GB" smtClean="0"/>
-              <a:t>Created by Jerry Alan Fails</a:t>
-            </a:r>
-            <a:endParaRPr lang="en-GB"/>
           </a:p>
         </p:txBody>
       </p:sp>
@@ -17903,7 +18582,7 @@
           <p:nvPr/>
         </p:nvPicPr>
         <p:blipFill>
-          <a:blip r:embed="rId2">
+          <a:blip r:embed="rId3">
             <a:extLst>
               <a:ext uri="{28A0092B-C50C-407E-A947-70E740481C1C}">
                 <a14:useLocalDpi xmlns:a14="http://schemas.microsoft.com/office/drawing/2010/main" val="0"/>
@@ -17948,6 +18627,194 @@
           </a:extLst>
         </p:spPr>
       </p:pic>
+      <p:sp>
+        <p:nvSpPr>
+          <p:cNvPr id="6" name="Subtitle 2"/>
+          <p:cNvSpPr txBox="1">
+            <a:spLocks/>
+          </p:cNvSpPr>
+          <p:nvPr/>
+        </p:nvSpPr>
+        <p:spPr>
+          <a:xfrm>
+            <a:off x="1371600" y="4772456"/>
+            <a:ext cx="6400800" cy="866344"/>
+          </a:xfrm>
+          <a:prstGeom prst="rect">
+            <a:avLst/>
+          </a:prstGeom>
+        </p:spPr>
+        <p:txBody>
+          <a:bodyPr vert="horz" lIns="91440" tIns="45720" rIns="91440" bIns="45720" rtlCol="0">
+            <a:normAutofit/>
+          </a:bodyPr>
+          <a:lstStyle>
+            <a:lvl1pPr marL="342900" indent="-342900" algn="l" defTabSz="457200" rtl="0" eaLnBrk="1" latinLnBrk="0" hangingPunct="1">
+              <a:spcBef>
+                <a:spcPct val="20000"/>
+              </a:spcBef>
+              <a:buFont typeface="Arial"/>
+              <a:buChar char="•"/>
+              <a:defRPr sz="3200" kern="1200">
+                <a:solidFill>
+                  <a:schemeClr val="tx1"/>
+                </a:solidFill>
+                <a:latin typeface="+mn-lt"/>
+                <a:ea typeface="+mn-ea"/>
+                <a:cs typeface="+mn-cs"/>
+              </a:defRPr>
+            </a:lvl1pPr>
+            <a:lvl2pPr marL="742950" indent="-285750" algn="l" defTabSz="457200" rtl="0" eaLnBrk="1" latinLnBrk="0" hangingPunct="1">
+              <a:spcBef>
+                <a:spcPct val="20000"/>
+              </a:spcBef>
+              <a:buFont typeface="Arial"/>
+              <a:buChar char="–"/>
+              <a:defRPr sz="2800" kern="1200">
+                <a:solidFill>
+                  <a:schemeClr val="bg1">
+                    <a:lumMod val="50000"/>
+                  </a:schemeClr>
+                </a:solidFill>
+                <a:latin typeface="+mn-lt"/>
+                <a:ea typeface="+mn-ea"/>
+                <a:cs typeface="+mn-cs"/>
+              </a:defRPr>
+            </a:lvl2pPr>
+            <a:lvl3pPr marL="1143000" indent="-228600" algn="l" defTabSz="457200" rtl="0" eaLnBrk="1" latinLnBrk="0" hangingPunct="1">
+              <a:spcBef>
+                <a:spcPct val="20000"/>
+              </a:spcBef>
+              <a:buFont typeface="Arial"/>
+              <a:buChar char="•"/>
+              <a:defRPr sz="2400" kern="1200">
+                <a:solidFill>
+                  <a:schemeClr val="bg1">
+                    <a:lumMod val="65000"/>
+                  </a:schemeClr>
+                </a:solidFill>
+                <a:latin typeface="+mn-lt"/>
+                <a:ea typeface="+mn-ea"/>
+                <a:cs typeface="+mn-cs"/>
+              </a:defRPr>
+            </a:lvl3pPr>
+            <a:lvl4pPr marL="1600200" indent="-228600" algn="l" defTabSz="457200" rtl="0" eaLnBrk="1" latinLnBrk="0" hangingPunct="1">
+              <a:spcBef>
+                <a:spcPct val="20000"/>
+              </a:spcBef>
+              <a:buFont typeface="Arial"/>
+              <a:buChar char="–"/>
+              <a:defRPr sz="2000" kern="1200">
+                <a:solidFill>
+                  <a:schemeClr val="tx1"/>
+                </a:solidFill>
+                <a:latin typeface="+mn-lt"/>
+                <a:ea typeface="+mn-ea"/>
+                <a:cs typeface="+mn-cs"/>
+              </a:defRPr>
+            </a:lvl4pPr>
+            <a:lvl5pPr marL="2057400" indent="-228600" algn="l" defTabSz="457200" rtl="0" eaLnBrk="1" latinLnBrk="0" hangingPunct="1">
+              <a:spcBef>
+                <a:spcPct val="20000"/>
+              </a:spcBef>
+              <a:buFont typeface="Arial"/>
+              <a:buChar char="»"/>
+              <a:defRPr sz="2000" kern="1200">
+                <a:solidFill>
+                  <a:schemeClr val="bg1">
+                    <a:lumMod val="50000"/>
+                  </a:schemeClr>
+                </a:solidFill>
+                <a:latin typeface="+mn-lt"/>
+                <a:ea typeface="+mn-ea"/>
+                <a:cs typeface="+mn-cs"/>
+              </a:defRPr>
+            </a:lvl5pPr>
+            <a:lvl6pPr marL="2514600" indent="-228600" algn="l" defTabSz="457200" rtl="0" eaLnBrk="1" latinLnBrk="0" hangingPunct="1">
+              <a:spcBef>
+                <a:spcPct val="20000"/>
+              </a:spcBef>
+              <a:buFont typeface="Arial"/>
+              <a:buChar char="•"/>
+              <a:defRPr sz="2000" kern="1200">
+                <a:solidFill>
+                  <a:schemeClr val="tx1"/>
+                </a:solidFill>
+                <a:latin typeface="+mn-lt"/>
+                <a:ea typeface="+mn-ea"/>
+                <a:cs typeface="+mn-cs"/>
+              </a:defRPr>
+            </a:lvl6pPr>
+            <a:lvl7pPr marL="2971800" indent="-228600" algn="l" defTabSz="457200" rtl="0" eaLnBrk="1" latinLnBrk="0" hangingPunct="1">
+              <a:spcBef>
+                <a:spcPct val="20000"/>
+              </a:spcBef>
+              <a:buFont typeface="Arial"/>
+              <a:buChar char="•"/>
+              <a:defRPr sz="2000" kern="1200">
+                <a:solidFill>
+                  <a:schemeClr val="tx1"/>
+                </a:solidFill>
+                <a:latin typeface="+mn-lt"/>
+                <a:ea typeface="+mn-ea"/>
+                <a:cs typeface="+mn-cs"/>
+              </a:defRPr>
+            </a:lvl7pPr>
+            <a:lvl8pPr marL="3429000" indent="-228600" algn="l" defTabSz="457200" rtl="0" eaLnBrk="1" latinLnBrk="0" hangingPunct="1">
+              <a:spcBef>
+                <a:spcPct val="20000"/>
+              </a:spcBef>
+              <a:buFont typeface="Arial"/>
+              <a:buChar char="•"/>
+              <a:defRPr sz="2000" kern="1200">
+                <a:solidFill>
+                  <a:schemeClr val="tx1"/>
+                </a:solidFill>
+                <a:latin typeface="+mn-lt"/>
+                <a:ea typeface="+mn-ea"/>
+                <a:cs typeface="+mn-cs"/>
+              </a:defRPr>
+            </a:lvl8pPr>
+            <a:lvl9pPr marL="3886200" indent="-228600" algn="l" defTabSz="457200" rtl="0" eaLnBrk="1" latinLnBrk="0" hangingPunct="1">
+              <a:spcBef>
+                <a:spcPct val="20000"/>
+              </a:spcBef>
+              <a:buFont typeface="Arial"/>
+              <a:buChar char="•"/>
+              <a:defRPr sz="2000" kern="1200">
+                <a:solidFill>
+                  <a:schemeClr val="tx1"/>
+                </a:solidFill>
+                <a:latin typeface="+mn-lt"/>
+                <a:ea typeface="+mn-ea"/>
+                <a:cs typeface="+mn-cs"/>
+              </a:defRPr>
+            </a:lvl9pPr>
+          </a:lstStyle>
+          <a:p>
+            <a:pPr marL="0" indent="0" algn="ctr">
+              <a:buNone/>
+            </a:pPr>
+            <a:r>
+              <a:rPr lang="en-US" dirty="0" smtClean="0">
+                <a:solidFill>
+                  <a:schemeClr val="bg1">
+                    <a:lumMod val="50000"/>
+                  </a:schemeClr>
+                </a:solidFill>
+              </a:rPr>
+              <a:t>Review Picture main</a:t>
+            </a:r>
+            <a:endParaRPr lang="en-US" dirty="0">
+              <a:solidFill>
+                <a:schemeClr val="bg1">
+                  <a:lumMod val="50000"/>
+                </a:schemeClr>
+              </a:solidFill>
+            </a:endParaRPr>
+          </a:p>
+        </p:txBody>
+      </p:sp>
     </p:spTree>
     <p:extLst>
       <p:ext uri="{BB962C8B-B14F-4D97-AF65-F5344CB8AC3E}">
@@ -17969,9 +18836,80 @@
   <p:timing>
     <p:tnLst>
       <p:par>
-        <p:cTn xmlns:p14="http://schemas.microsoft.com/office/powerpoint/2010/main" id="1" dur="indefinite" restart="never" nodeType="tmRoot"/>
+        <p:cTn xmlns:p14="http://schemas.microsoft.com/office/powerpoint/2010/main" id="1" dur="indefinite" restart="never" nodeType="tmRoot">
+          <p:childTnLst>
+            <p:seq concurrent="1" nextAc="seek">
+              <p:cTn id="2" dur="indefinite" nodeType="mainSeq">
+                <p:childTnLst>
+                  <p:par>
+                    <p:cTn id="3" fill="hold">
+                      <p:stCondLst>
+                        <p:cond delay="indefinite"/>
+                      </p:stCondLst>
+                      <p:childTnLst>
+                        <p:par>
+                          <p:cTn id="4" fill="hold">
+                            <p:stCondLst>
+                              <p:cond delay="0"/>
+                            </p:stCondLst>
+                            <p:childTnLst>
+                              <p:par>
+                                <p:cTn id="5" presetID="1" presetClass="entr" presetSubtype="0" fill="hold" grpId="0" nodeType="clickEffect">
+                                  <p:stCondLst>
+                                    <p:cond delay="0"/>
+                                  </p:stCondLst>
+                                  <p:childTnLst>
+                                    <p:set>
+                                      <p:cBhvr>
+                                        <p:cTn id="6" dur="1" fill="hold">
+                                          <p:stCondLst>
+                                            <p:cond delay="0"/>
+                                          </p:stCondLst>
+                                        </p:cTn>
+                                        <p:tgtEl>
+                                          <p:spTgt spid="6"/>
+                                        </p:tgtEl>
+                                        <p:attrNameLst>
+                                          <p:attrName>style.visibility</p:attrName>
+                                        </p:attrNameLst>
+                                      </p:cBhvr>
+                                      <p:to>
+                                        <p:strVal val="visible"/>
+                                      </p:to>
+                                    </p:set>
+                                  </p:childTnLst>
+                                </p:cTn>
+                              </p:par>
+                            </p:childTnLst>
+                          </p:cTn>
+                        </p:par>
+                      </p:childTnLst>
+                    </p:cTn>
+                  </p:par>
+                </p:childTnLst>
+              </p:cTn>
+              <p:prevCondLst>
+                <p:cond evt="onPrev" delay="0">
+                  <p:tgtEl>
+                    <p:sldTgt/>
+                  </p:tgtEl>
+                </p:cond>
+              </p:prevCondLst>
+              <p:nextCondLst>
+                <p:cond evt="onNext" delay="0">
+                  <p:tgtEl>
+                    <p:sldTgt/>
+                  </p:tgtEl>
+                </p:cond>
+              </p:nextCondLst>
+            </p:seq>
+          </p:childTnLst>
+        </p:cTn>
       </p:par>
     </p:tnLst>
+    <p:bldLst>
+      <p:bldP spid="6" grpId="0"/>
+    </p:bldLst>
   </p:timing>
 </p:sld>
 </file>
@@ -17995,12 +18933,12 @@
       </p:grpSpPr>
       <p:sp>
         <p:nvSpPr>
-          <p:cNvPr id="2" name="Title 1"/>
+          <p:cNvPr id="39937" name="Title 1"/>
           <p:cNvSpPr>
             <a:spLocks noGrp="1"/>
           </p:cNvSpPr>
           <p:nvPr>
-            <p:ph type="ctrTitle"/>
+            <p:ph type="title"/>
           </p:nvPr>
         </p:nvSpPr>
         <p:spPr/>
@@ -18009,46 +18947,206 @@
           <a:lstStyle/>
           <a:p>
             <a:r>
-              <a:rPr lang="en-US" dirty="0" smtClean="0"/>
-              <a:t>Using Classes Example</a:t>
-            </a:r>
-            <a:endParaRPr lang="en-US" dirty="0"/>
+              <a:rPr lang="en-US" dirty="0" smtClean="0">
+                <a:latin typeface="Calibri"/>
+                <a:cs typeface="Calibri"/>
+              </a:rPr>
+              <a:t>Adding Functionality to Circle…</a:t>
+            </a:r>
+            <a:endParaRPr lang="en-US" dirty="0">
+              <a:latin typeface="Calibri"/>
+              <a:cs typeface="Calibri"/>
+            </a:endParaRPr>
           </a:p>
         </p:txBody>
       </p:sp>
       <p:sp>
         <p:nvSpPr>
-          <p:cNvPr id="3" name="Subtitle 2"/>
+          <p:cNvPr id="39938" name="Content Placeholder 2"/>
           <p:cNvSpPr>
             <a:spLocks noGrp="1"/>
           </p:cNvSpPr>
           <p:nvPr>
-            <p:ph type="subTitle" idx="1"/>
+            <p:ph idx="1"/>
           </p:nvPr>
         </p:nvSpPr>
         <p:spPr/>
         <p:txBody>
-          <a:bodyPr/>
+          <a:bodyPr>
+            <a:normAutofit lnSpcReduction="10000"/>
+          </a:bodyPr>
           <a:lstStyle/>
           <a:p>
-            <a:r>
-              <a:rPr lang="en-US" dirty="0" smtClean="0"/>
-              <a:t>(offline)</a:t>
-            </a:r>
-            <a:endParaRPr lang="en-US" dirty="0"/>
+            <a:pPr>
+              <a:lnSpc>
+                <a:spcPct val="90000"/>
+              </a:lnSpc>
+            </a:pPr>
+            <a:r>
+              <a:rPr lang="en-US" dirty="0">
+                <a:latin typeface="Calibri"/>
+                <a:cs typeface="Calibri"/>
+              </a:rPr>
+              <a:t>Modify the Circle class to display a colored outline:</a:t>
+            </a:r>
+          </a:p>
+          <a:p>
+            <a:pPr lvl="1">
+              <a:lnSpc>
+                <a:spcPct val="90000"/>
+              </a:lnSpc>
+            </a:pPr>
+            <a:r>
+              <a:rPr lang="en-US" dirty="0">
+                <a:latin typeface="Calibri"/>
+                <a:ea typeface="Arial" charset="0"/>
+                <a:cs typeface="Calibri"/>
+              </a:rPr>
+              <a:t>Add a field </a:t>
+            </a:r>
+            <a:r>
+              <a:rPr lang="en-US" dirty="0" err="1">
+                <a:latin typeface="Calibri"/>
+                <a:ea typeface="Arial" charset="0"/>
+                <a:cs typeface="Calibri"/>
+              </a:rPr>
+              <a:t>outlineColor</a:t>
+            </a:r>
+            <a:r>
+              <a:rPr lang="en-US" dirty="0">
+                <a:latin typeface="Calibri"/>
+                <a:ea typeface="Arial" charset="0"/>
+                <a:cs typeface="Calibri"/>
+              </a:rPr>
+              <a:t>, plus get &amp; set methods</a:t>
+            </a:r>
+          </a:p>
+          <a:p>
+            <a:pPr lvl="1">
+              <a:lnSpc>
+                <a:spcPct val="90000"/>
+              </a:lnSpc>
+            </a:pPr>
+            <a:r>
+              <a:rPr lang="en-US" dirty="0">
+                <a:latin typeface="Calibri"/>
+                <a:ea typeface="Arial" charset="0"/>
+                <a:cs typeface="Calibri"/>
+              </a:rPr>
+              <a:t>Add another constructor that takes the outline color as a parameter</a:t>
+            </a:r>
+          </a:p>
+          <a:p>
+            <a:pPr lvl="2">
+              <a:lnSpc>
+                <a:spcPct val="90000"/>
+              </a:lnSpc>
+            </a:pPr>
+            <a:r>
+              <a:rPr lang="en-US" dirty="0">
+                <a:solidFill>
+                  <a:schemeClr val="tx1"/>
+                </a:solidFill>
+                <a:latin typeface="Calibri"/>
+                <a:ea typeface="Arial" charset="0"/>
+                <a:cs typeface="Calibri"/>
+              </a:rPr>
+              <a:t>What should the outline color be set to in the original constructors?</a:t>
+            </a:r>
+          </a:p>
+          <a:p>
+            <a:pPr lvl="1">
+              <a:lnSpc>
+                <a:spcPct val="90000"/>
+              </a:lnSpc>
+            </a:pPr>
+            <a:r>
+              <a:rPr lang="en-US" dirty="0">
+                <a:latin typeface="Calibri"/>
+                <a:ea typeface="Arial" charset="0"/>
+                <a:cs typeface="Calibri"/>
+              </a:rPr>
+              <a:t>Update </a:t>
+            </a:r>
+            <a:r>
+              <a:rPr lang="en-US" dirty="0" err="1">
+                <a:latin typeface="Calibri"/>
+                <a:ea typeface="Arial" charset="0"/>
+                <a:cs typeface="Calibri"/>
+              </a:rPr>
+              <a:t>paintComponent</a:t>
+            </a:r>
+            <a:r>
+              <a:rPr lang="en-US" dirty="0">
+                <a:latin typeface="Calibri"/>
+                <a:ea typeface="Arial" charset="0"/>
+                <a:cs typeface="Calibri"/>
+              </a:rPr>
+              <a:t> to draw the outline AND the filled oval (hint: use </a:t>
+            </a:r>
+            <a:r>
+              <a:rPr lang="en-US" dirty="0" err="1">
+                <a:latin typeface="Courier"/>
+                <a:ea typeface="Arial" charset="0"/>
+                <a:cs typeface="Courier"/>
+              </a:rPr>
+              <a:t>drawOval</a:t>
+            </a:r>
+            <a:r>
+              <a:rPr lang="en-US" dirty="0" smtClean="0">
+                <a:latin typeface="Calibri"/>
+                <a:ea typeface="Arial" charset="0"/>
+                <a:cs typeface="Calibri"/>
+              </a:rPr>
+              <a:t>)</a:t>
+            </a:r>
+            <a:endParaRPr lang="en-US" dirty="0">
+              <a:latin typeface="Calibri"/>
+              <a:ea typeface="Arial" charset="0"/>
+              <a:cs typeface="Calibri"/>
+            </a:endParaRPr>
+          </a:p>
+          <a:p>
+            <a:pPr>
+              <a:lnSpc>
+                <a:spcPct val="90000"/>
+              </a:lnSpc>
+            </a:pPr>
+            <a:r>
+              <a:rPr lang="en-US" dirty="0">
+                <a:latin typeface="Calibri"/>
+                <a:cs typeface="Calibri"/>
+              </a:rPr>
+              <a:t>Use your Picture </a:t>
+            </a:r>
+            <a:r>
+              <a:rPr lang="en-US" dirty="0" smtClean="0">
+                <a:latin typeface="Calibri"/>
+                <a:cs typeface="Calibri"/>
+              </a:rPr>
+              <a:t>class to </a:t>
+            </a:r>
+            <a:r>
+              <a:rPr lang="en-US" dirty="0">
+                <a:latin typeface="Calibri"/>
+                <a:cs typeface="Calibri"/>
+              </a:rPr>
+              <a:t>test and make sure the outline is showing up correctly</a:t>
+            </a:r>
           </a:p>
         </p:txBody>
       </p:sp>
     </p:spTree>
     <p:extLst>
       <p:ext uri="{BB962C8B-B14F-4D97-AF65-F5344CB8AC3E}">
-        <p14:creationId xmlns:p14="http://schemas.microsoft.com/office/powerpoint/2010/main" val="3089240259"/>
+        <p14:creationId xmlns:p14="http://schemas.microsoft.com/office/powerpoint/2010/main" val="108273547"/>
       </p:ext>
     </p:extLst>
   </p:cSld>
   <p:clrMapOvr>
     <a:masterClrMapping/>
   </p:clrMapOvr>
+  <p:transition xmlns:p14="http://schemas.microsoft.com/office/powerpoint/2010/main" spd="med"/>
   <p:timing>
     <p:tnLst>
       <p:par>
@@ -18083,10 +19181,98 @@
             <a:spLocks noGrp="1"/>
           </p:cNvSpPr>
           <p:nvPr>
+            <p:ph type="ctrTitle"/>
+          </p:nvPr>
+        </p:nvSpPr>
+        <p:spPr/>
+        <p:txBody>
+          <a:bodyPr/>
+          <a:lstStyle/>
+          <a:p>
+            <a:r>
+              <a:rPr lang="en-US" dirty="0" smtClean="0"/>
+              <a:t>Using Classes Example</a:t>
+            </a:r>
+            <a:endParaRPr lang="en-US" dirty="0"/>
+          </a:p>
+        </p:txBody>
+      </p:sp>
+      <p:sp>
+        <p:nvSpPr>
+          <p:cNvPr id="3" name="Subtitle 2"/>
+          <p:cNvSpPr>
+            <a:spLocks noGrp="1"/>
+          </p:cNvSpPr>
+          <p:nvPr>
+            <p:ph type="subTitle" idx="1"/>
+          </p:nvPr>
+        </p:nvSpPr>
+        <p:spPr/>
+        <p:txBody>
+          <a:bodyPr/>
+          <a:lstStyle/>
+          <a:p>
+            <a:r>
+              <a:rPr lang="en-US" dirty="0" smtClean="0"/>
+              <a:t>(offline)</a:t>
+            </a:r>
+            <a:endParaRPr lang="en-US" dirty="0"/>
+          </a:p>
+        </p:txBody>
+      </p:sp>
+    </p:spTree>
+    <p:extLst>
+      <p:ext uri="{BB962C8B-B14F-4D97-AF65-F5344CB8AC3E}">
+        <p14:creationId xmlns:p14="http://schemas.microsoft.com/office/powerpoint/2010/main" val="3089240259"/>
+      </p:ext>
+    </p:extLst>
+  </p:cSld>
+  <p:clrMapOvr>
+    <a:masterClrMapping/>
+  </p:clrMapOvr>
+  <p:timing>
+    <p:tnLst>
+      <p:par>
+        <p:cTn xmlns:p14="http://schemas.microsoft.com/office/powerpoint/2010/main" id="1" dur="indefinite" restart="never" nodeType="tmRoot"/>
+      </p:par>
+    </p:tnLst>
+  </p:timing>
+</p:sld>
+</file>
+
+<file path=ppt/slides/slide24.xml><?xml version="1.0" encoding="utf-8"?>
+<p:sld xmlns:a="http://schemas.openxmlformats.org/drawingml/2006/main" xmlns:r="http://schemas.openxmlformats.org/officeDocument/2006/relationships" xmlns:p="http://schemas.openxmlformats.org/presentationml/2006/main">
+  <p:cSld>
+    <p:spTree>
+      <p:nvGrpSpPr>
+        <p:cNvPr id="1" name=""/>
+        <p:cNvGrpSpPr/>
+        <p:nvPr/>
+      </p:nvGrpSpPr>
+      <p:grpSpPr>
+        <a:xfrm>
+          <a:off x="0" y="0"/>
+          <a:ext cx="0" cy="0"/>
+          <a:chOff x="0" y="0"/>
+          <a:chExt cx="0" cy="0"/>
+        </a:xfrm>
+      </p:grpSpPr>
+      <p:sp>
+        <p:nvSpPr>
+          <p:cNvPr id="2" name="Title 1"/>
+          <p:cNvSpPr>
+            <a:spLocks noGrp="1"/>
+          </p:cNvSpPr>
+          <p:nvPr>
             <p:ph type="title"/>
           </p:nvPr>
         </p:nvSpPr>
-        <p:spPr/>
+        <p:spPr>
+          <a:xfrm>
+            <a:off x="457200" y="0"/>
+            <a:ext cx="8229600" cy="1058408"/>
+          </a:xfrm>
+        </p:spPr>
         <p:txBody>
           <a:bodyPr/>
           <a:lstStyle/>
@@ -18109,10 +19295,15 @@
             <p:ph idx="1"/>
           </p:nvPr>
         </p:nvSpPr>
-        <p:spPr/>
+        <p:spPr>
+          <a:xfrm>
+            <a:off x="457199" y="1058408"/>
+            <a:ext cx="8451105" cy="5561450"/>
+          </a:xfrm>
+        </p:spPr>
         <p:txBody>
           <a:bodyPr>
-            <a:normAutofit fontScale="70000" lnSpcReduction="20000"/>
+            <a:normAutofit fontScale="85000" lnSpcReduction="20000"/>
           </a:bodyPr>
           <a:lstStyle/>
           <a:p>
@@ -18155,37 +19346,65 @@
           <a:p>
             <a:pPr lvl="2"/>
             <a:r>
-              <a:rPr lang="en-US" dirty="0" smtClean="0"/>
+              <a:rPr lang="en-US" dirty="0" smtClean="0">
+                <a:solidFill>
+                  <a:srgbClr val="000000"/>
+                </a:solidFill>
+              </a:rPr>
               <a:t>That turns the remote control car by a specified degree</a:t>
             </a:r>
           </a:p>
           <a:p>
             <a:pPr lvl="2"/>
             <a:r>
-              <a:rPr lang="en-US" dirty="0" smtClean="0"/>
+              <a:rPr lang="en-US" dirty="0" smtClean="0">
+                <a:solidFill>
+                  <a:srgbClr val="000000"/>
+                </a:solidFill>
+              </a:rPr>
               <a:t>Where right is positive left is negative</a:t>
             </a:r>
           </a:p>
           <a:p>
             <a:pPr lvl="2"/>
             <a:r>
-              <a:rPr lang="en-US" dirty="0" smtClean="0"/>
+              <a:rPr lang="en-US" dirty="0" smtClean="0">
+                <a:solidFill>
+                  <a:srgbClr val="000000"/>
+                </a:solidFill>
+              </a:rPr>
               <a:t>E.g. </a:t>
             </a:r>
             <a:r>
-              <a:rPr lang="en-US" dirty="0" err="1" smtClean="0"/>
+              <a:rPr lang="en-US" dirty="0" err="1" smtClean="0">
+                <a:solidFill>
+                  <a:srgbClr val="000000"/>
+                </a:solidFill>
+              </a:rPr>
               <a:t>sc.turn</a:t>
             </a:r>
             <a:r>
-              <a:rPr lang="en-US" dirty="0" smtClean="0"/>
+              <a:rPr lang="en-US" dirty="0" smtClean="0">
+                <a:solidFill>
+                  <a:srgbClr val="000000"/>
+                </a:solidFill>
+              </a:rPr>
               <a:t>(90), </a:t>
             </a:r>
             <a:r>
-              <a:rPr lang="en-US" dirty="0" err="1" smtClean="0"/>
+              <a:rPr lang="en-US" dirty="0" err="1" smtClean="0">
+                <a:solidFill>
+                  <a:srgbClr val="000000"/>
+                </a:solidFill>
+              </a:rPr>
               <a:t>sc.turn</a:t>
             </a:r>
             <a:r>
-              <a:rPr lang="en-US" dirty="0" smtClean="0"/>
+              <a:rPr lang="en-US" dirty="0" smtClean="0">
+                <a:solidFill>
+                  <a:srgbClr val="000000"/>
+                </a:solidFill>
+              </a:rPr>
               <a:t>(-90)</a:t>
             </a:r>
           </a:p>
@@ -18203,7 +19422,11 @@
           <a:p>
             <a:pPr lvl="2"/>
             <a:r>
-              <a:rPr lang="en-US" dirty="0" smtClean="0"/>
+              <a:rPr lang="en-US" dirty="0" smtClean="0">
+                <a:solidFill>
+                  <a:srgbClr val="000000"/>
+                </a:solidFill>
+              </a:rPr>
               <a:t>That starts spraying the ground</a:t>
             </a:r>
           </a:p>
@@ -18221,7 +19444,11 @@
           <a:p>
             <a:pPr lvl="2"/>
             <a:r>
-              <a:rPr lang="en-US" dirty="0" smtClean="0"/>
+              <a:rPr lang="en-US" dirty="0" smtClean="0">
+                <a:solidFill>
+                  <a:srgbClr val="000000"/>
+                </a:solidFill>
+              </a:rPr>
               <a:t>That stops spraying the ground</a:t>
             </a:r>
           </a:p>
@@ -18247,22 +19474,38 @@
           <a:p>
             <a:pPr lvl="2"/>
             <a:r>
-              <a:rPr lang="en-US" dirty="0" smtClean="0"/>
+              <a:rPr lang="en-US" dirty="0" smtClean="0">
+                <a:solidFill>
+                  <a:schemeClr val="tx1"/>
+                </a:solidFill>
+              </a:rPr>
               <a:t>That moves the remote control car forward x distance</a:t>
             </a:r>
           </a:p>
           <a:p>
             <a:pPr lvl="2"/>
             <a:r>
-              <a:rPr lang="en-US" dirty="0" smtClean="0"/>
+              <a:rPr lang="en-US" dirty="0" smtClean="0">
+                <a:solidFill>
+                  <a:schemeClr val="tx1"/>
+                </a:solidFill>
+              </a:rPr>
               <a:t>E.g. </a:t>
             </a:r>
             <a:r>
-              <a:rPr lang="en-US" dirty="0" err="1" smtClean="0"/>
+              <a:rPr lang="en-US" dirty="0" err="1" smtClean="0">
+                <a:solidFill>
+                  <a:schemeClr val="tx1"/>
+                </a:solidFill>
+              </a:rPr>
               <a:t>sc.forward</a:t>
             </a:r>
             <a:r>
-              <a:rPr lang="en-US" dirty="0" smtClean="0"/>
+              <a:rPr lang="en-US" dirty="0" smtClean="0">
+                <a:solidFill>
+                  <a:schemeClr val="tx1"/>
+                </a:solidFill>
+              </a:rPr>
               <a:t>(100)</a:t>
             </a:r>
           </a:p>
